--- a/AWGA Inception Deck.pptx
+++ b/AWGA Inception Deck.pptx
@@ -224,7 +224,7 @@
             <a:fld id="{08A6A601-9B1B-438A-96A6-56431C4BA801}" type="datetimeFigureOut">
               <a:rPr lang="en-CA" smtClean="0"/>
               <a:pPr/>
-              <a:t>2017-09-25</a:t>
+              <a:t>2017-11-05</a:t>
             </a:fld>
             <a:endParaRPr lang="en-CA"/>
           </a:p>
@@ -1878,7 +1878,7 @@
             <a:fld id="{1D8BD707-D9CF-40AE-B4C6-C98DA3205C09}" type="datetimeFigureOut">
               <a:rPr lang="en-US" smtClean="0"/>
               <a:pPr/>
-              <a:t>9/25/2017</a:t>
+              <a:t>11/5/2017</a:t>
             </a:fld>
             <a:endParaRPr lang="en-US"/>
           </a:p>
@@ -2075,7 +2075,7 @@
             <a:fld id="{1D8BD707-D9CF-40AE-B4C6-C98DA3205C09}" type="datetimeFigureOut">
               <a:rPr lang="en-US" smtClean="0"/>
               <a:pPr/>
-              <a:t>9/25/2017</a:t>
+              <a:t>11/5/2017</a:t>
             </a:fld>
             <a:endParaRPr lang="en-US"/>
           </a:p>
@@ -2250,7 +2250,7 @@
             <a:fld id="{1D8BD707-D9CF-40AE-B4C6-C98DA3205C09}" type="datetimeFigureOut">
               <a:rPr lang="en-US" smtClean="0"/>
               <a:pPr/>
-              <a:t>9/25/2017</a:t>
+              <a:t>11/5/2017</a:t>
             </a:fld>
             <a:endParaRPr lang="en-US"/>
           </a:p>
@@ -2415,7 +2415,7 @@
             <a:fld id="{1D8BD707-D9CF-40AE-B4C6-C98DA3205C09}" type="datetimeFigureOut">
               <a:rPr lang="en-US" smtClean="0"/>
               <a:pPr/>
-              <a:t>9/25/2017</a:t>
+              <a:t>11/5/2017</a:t>
             </a:fld>
             <a:endParaRPr lang="en-US"/>
           </a:p>
@@ -2657,7 +2657,7 @@
             <a:fld id="{1D8BD707-D9CF-40AE-B4C6-C98DA3205C09}" type="datetimeFigureOut">
               <a:rPr lang="en-US" smtClean="0"/>
               <a:pPr/>
-              <a:t>9/25/2017</a:t>
+              <a:t>11/5/2017</a:t>
             </a:fld>
             <a:endParaRPr lang="en-US"/>
           </a:p>
@@ -2939,7 +2939,7 @@
             <a:fld id="{1D8BD707-D9CF-40AE-B4C6-C98DA3205C09}" type="datetimeFigureOut">
               <a:rPr lang="en-US" smtClean="0"/>
               <a:pPr/>
-              <a:t>9/25/2017</a:t>
+              <a:t>11/5/2017</a:t>
             </a:fld>
             <a:endParaRPr lang="en-US"/>
           </a:p>
@@ -3355,7 +3355,7 @@
             <a:fld id="{1D8BD707-D9CF-40AE-B4C6-C98DA3205C09}" type="datetimeFigureOut">
               <a:rPr lang="en-US" smtClean="0"/>
               <a:pPr/>
-              <a:t>9/25/2017</a:t>
+              <a:t>11/5/2017</a:t>
             </a:fld>
             <a:endParaRPr lang="en-US"/>
           </a:p>
@@ -3469,7 +3469,7 @@
             <a:fld id="{1D8BD707-D9CF-40AE-B4C6-C98DA3205C09}" type="datetimeFigureOut">
               <a:rPr lang="en-US" smtClean="0"/>
               <a:pPr/>
-              <a:t>9/25/2017</a:t>
+              <a:t>11/5/2017</a:t>
             </a:fld>
             <a:endParaRPr lang="en-US"/>
           </a:p>
@@ -3561,7 +3561,7 @@
             <a:fld id="{1D8BD707-D9CF-40AE-B4C6-C98DA3205C09}" type="datetimeFigureOut">
               <a:rPr lang="en-US" smtClean="0"/>
               <a:pPr/>
-              <a:t>9/25/2017</a:t>
+              <a:t>11/5/2017</a:t>
             </a:fld>
             <a:endParaRPr lang="en-US"/>
           </a:p>
@@ -3833,7 +3833,7 @@
             <a:fld id="{1D8BD707-D9CF-40AE-B4C6-C98DA3205C09}" type="datetimeFigureOut">
               <a:rPr lang="en-US" smtClean="0"/>
               <a:pPr/>
-              <a:t>9/25/2017</a:t>
+              <a:t>11/5/2017</a:t>
             </a:fld>
             <a:endParaRPr lang="en-US"/>
           </a:p>
@@ -4082,7 +4082,7 @@
             <a:fld id="{1D8BD707-D9CF-40AE-B4C6-C98DA3205C09}" type="datetimeFigureOut">
               <a:rPr lang="en-US" smtClean="0"/>
               <a:pPr/>
-              <a:t>9/25/2017</a:t>
+              <a:t>11/5/2017</a:t>
             </a:fld>
             <a:endParaRPr lang="en-US"/>
           </a:p>
@@ -4290,7 +4290,7 @@
             <a:fld id="{1D8BD707-D9CF-40AE-B4C6-C98DA3205C09}" type="datetimeFigureOut">
               <a:rPr lang="en-US" smtClean="0"/>
               <a:pPr/>
-              <a:t>9/25/2017</a:t>
+              <a:t>11/5/2017</a:t>
             </a:fld>
             <a:endParaRPr lang="en-US"/>
           </a:p>
@@ -9132,7 +9132,7 @@
           <p:nvPr>
             <p:extLst>
               <p:ext uri="{D42A27DB-BD31-4B8C-83A1-F6EECF244321}">
-                <p14:modId xmlns:p14="http://schemas.microsoft.com/office/powerpoint/2010/main" val="1785925773"/>
+                <p14:modId xmlns:p14="http://schemas.microsoft.com/office/powerpoint/2010/main" val="707449292"/>
               </p:ext>
             </p:extLst>
           </p:nvPr>
@@ -9435,7 +9435,7 @@
                     <a:p>
                       <a:r>
                         <a:rPr lang="en-CA" dirty="0"/>
-                        <a:t>App based interface</a:t>
+                        <a:t>Mobile-app based interface</a:t>
                       </a:r>
                     </a:p>
                   </a:txBody>
@@ -9554,14 +9554,14 @@
           <p:nvPr>
             <p:extLst>
               <p:ext uri="{D42A27DB-BD31-4B8C-83A1-F6EECF244321}">
-                <p14:modId xmlns:p14="http://schemas.microsoft.com/office/powerpoint/2010/main" val="1505213824"/>
+                <p14:modId xmlns:p14="http://schemas.microsoft.com/office/powerpoint/2010/main" val="2814721240"/>
               </p:ext>
             </p:extLst>
           </p:nvPr>
         </p:nvGraphicFramePr>
         <p:xfrm>
           <a:off x="264544" y="5105400"/>
-          <a:ext cx="8458200" cy="1676400"/>
+          <a:ext cx="8458200" cy="1584960"/>
         </p:xfrm>
         <a:graphic>
           <a:graphicData uri="http://schemas.openxmlformats.org/drawingml/2006/table">
@@ -9623,7 +9623,10 @@
                         <a:tabLst/>
                         <a:defRPr/>
                       </a:pPr>
-                      <a:endParaRPr lang="en-CA" sz="1200" dirty="0"/>
+                      <a:r>
+                        <a:rPr lang="en-CA" sz="1800" dirty="0"/>
+                        <a:t>Installation application</a:t>
+                      </a:r>
                     </a:p>
                   </a:txBody>
                   <a:tcPr/>
@@ -9640,7 +9643,10 @@
                     <a:bodyPr/>
                     <a:lstStyle/>
                     <a:p>
-                      <a:endParaRPr lang="en-CA" sz="1200" dirty="0"/>
+                      <a:r>
+                        <a:rPr lang="en-CA" sz="1800" dirty="0"/>
+                        <a:t>Export/Import of data</a:t>
+                      </a:r>
                     </a:p>
                   </a:txBody>
                   <a:tcPr/>
@@ -9665,23 +9671,6 @@
                 <a:extLst>
                   <a:ext uri="{0D108BD9-81ED-4DB2-BD59-A6C34878D82A}">
                     <a16:rowId xmlns:a16="http://schemas.microsoft.com/office/drawing/2014/main" val="10003"/>
-                  </a:ext>
-                </a:extLst>
-              </a:tr>
-              <a:tr h="229058">
-                <a:tc>
-                  <a:txBody>
-                    <a:bodyPr/>
-                    <a:lstStyle/>
-                    <a:p>
-                      <a:endParaRPr lang="en-CA" sz="1200" dirty="0"/>
-                    </a:p>
-                  </a:txBody>
-                  <a:tcPr/>
-                </a:tc>
-                <a:extLst>
-                  <a:ext uri="{0D108BD9-81ED-4DB2-BD59-A6C34878D82A}">
-                    <a16:rowId xmlns:a16="http://schemas.microsoft.com/office/drawing/2014/main" val="2687748476"/>
                   </a:ext>
                 </a:extLst>
               </a:tr>
@@ -10353,7 +10342,7 @@
         <p:spPr>
           <a:xfrm>
             <a:off x="609600" y="4495800"/>
-            <a:ext cx="4196918" cy="1938992"/>
+            <a:ext cx="4313938" cy="1569660"/>
           </a:xfrm>
           <a:prstGeom prst="rect">
             <a:avLst/>
@@ -10378,7 +10367,7 @@
             </a:pPr>
             <a:r>
               <a:rPr lang="en-CA" sz="2400" dirty="0"/>
-              <a:t> C++</a:t>
+              <a:t> C#</a:t>
             </a:r>
           </a:p>
           <a:p>
@@ -10388,7 +10377,7 @@
             </a:pPr>
             <a:r>
               <a:rPr lang="en-CA" sz="2400" dirty="0"/>
-              <a:t> MFC</a:t>
+              <a:t> Visual Studio</a:t>
             </a:r>
           </a:p>
           <a:p>
@@ -10398,17 +10387,7 @@
             </a:pPr>
             <a:r>
               <a:rPr lang="en-CA" sz="2400" dirty="0"/>
-              <a:t> Visual Studio</a:t>
-            </a:r>
-          </a:p>
-          <a:p>
-            <a:pPr>
-              <a:buFontTx/>
-              <a:buChar char="-"/>
-            </a:pPr>
-            <a:r>
-              <a:rPr lang="en-CA" sz="2400" dirty="0"/>
-              <a:t> Access Database (ODBC driver)</a:t>
+              <a:t> Access Database (OLEDB driver)</a:t>
             </a:r>
           </a:p>
         </p:txBody>
@@ -10545,7 +10524,7 @@
         <p:spPr>
           <a:xfrm>
             <a:off x="5035979" y="2286000"/>
-            <a:ext cx="907621" cy="461665"/>
+            <a:ext cx="1024639" cy="461665"/>
           </a:xfrm>
           <a:prstGeom prst="rect">
             <a:avLst/>
@@ -10560,7 +10539,7 @@
           <a:p>
             <a:r>
               <a:rPr lang="en-CA" sz="2400" dirty="0"/>
-              <a:t>ODBC</a:t>
+              <a:t>OLEDB</a:t>
             </a:r>
           </a:p>
         </p:txBody>
@@ -10757,7 +10736,7 @@
           </a:p>
           <a:p>
             <a:r>
-              <a:rPr lang="en-CA" dirty="0"/>
+              <a:rPr lang="en-CA" strike="sngStrike" dirty="0"/>
               <a:t>Database Design/Integration</a:t>
             </a:r>
           </a:p>
